--- a/_site/slides/week04/lecture.pptx
+++ b/_site/slides/week04/lecture.pptx
@@ -7425,10 +7425,6 @@
             <a:pPr lvl="0" indent="0" marL="1270000">
               <a:buNone/>
             </a:pPr>
-            <a:r>
-              <a:rPr sz="2000" b="1"/>
-              <a:t>Tip</a:t>
-            </a:r>
           </a:p>
           <a:p>
             <a:pPr lvl="0" indent="0" marL="1270000">
@@ -8030,37 +8026,6 @@
             <a:r>
               <a:rPr>
                 <a:hlinkClick r:id="rId2"/>
-              </a:rPr>
-              <a:t>https://doi.org/10.1080/09687590120035807</a:t>
-            </a:r>
-          </a:p>
-          <a:p>
-            <a:pPr lvl="0" indent="0" marL="0">
-              <a:buNone/>
-            </a:pPr>
-            <a:r>
-              <a:rPr/>
-              <a:t>Walmsley, J. (2001). Normalisation, Emancipatory Research and Inclusive Research in Learning Disability. </a:t>
-            </a:r>
-            <a:r>
-              <a:rPr i="1"/>
-              <a:t>Disability &amp; Society</a:t>
-            </a:r>
-            <a:r>
-              <a:rPr/>
-              <a:t>, </a:t>
-            </a:r>
-            <a:r>
-              <a:rPr i="1"/>
-              <a:t>16</a:t>
-            </a:r>
-            <a:r>
-              <a:rPr/>
-              <a:t>(2), 187–205. </a:t>
-            </a:r>
-            <a:r>
-              <a:rPr>
-                <a:hlinkClick r:id="rId3"/>
               </a:rPr>
               <a:t>https://doi.org/10.1080/09687590120035807</a:t>
             </a:r>

--- a/_site/slides/week04/lecture.pptx
+++ b/_site/slides/week04/lecture.pptx
@@ -7425,6 +7425,10 @@
             <a:pPr lvl="0" indent="0" marL="1270000">
               <a:buNone/>
             </a:pPr>
+            <a:r>
+              <a:rPr sz="2000" b="1"/>
+              <a:t>Tip</a:t>
+            </a:r>
           </a:p>
           <a:p>
             <a:pPr lvl="0" indent="0" marL="1270000">
